--- a/综合题/直播PPT/10.1.软件工程-概述,成熟度模型和软件开发模型.pptx
+++ b/综合题/直播PPT/10.1.软件工程-概述,成熟度模型和软件开发模型.pptx
@@ -130,22 +130,6 @@
       </a:defRPr>
     </a:lvl9pPr>
   </p:defaultTextStyle>
-  <p:extLst>
-    <p:ext uri="{EFAFB233-063F-42B5-8137-9DF3F51BA10A}">
-      <p15:sldGuideLst xmlns:p15="http://schemas.microsoft.com/office/powerpoint/2012/main">
-        <p15:guide id="1" orient="horz" pos="1348" userDrawn="1">
-          <p15:clr>
-            <a:srgbClr val="A4A3A4"/>
-          </p15:clr>
-        </p15:guide>
-        <p15:guide id="2" pos="2824" userDrawn="1">
-          <p15:clr>
-            <a:srgbClr val="A4A3A4"/>
-          </p15:clr>
-        </p15:guide>
-      </p15:sldGuideLst>
-    </p:ext>
-  </p:extLst>
 </p:presentation>
 </file>
 
@@ -7877,7 +7861,7 @@
                         <p:par>
                           <p:cTn id="32" fill="hold">
                             <p:stCondLst>
-                              <p:cond delay="4099"/>
+                              <p:cond delay="4100"/>
                             </p:stCondLst>
                             <p:childTnLst>
                               <p:par>
@@ -7976,7 +7960,7 @@
                         <p:par>
                           <p:cTn id="39" fill="hold">
                             <p:stCondLst>
-                              <p:cond delay="5400"/>
+                              <p:cond delay="5399"/>
                             </p:stCondLst>
                             <p:childTnLst>
                               <p:par>
@@ -8066,7 +8050,7 @@
                         <p:par>
                           <p:cTn id="45" fill="hold">
                             <p:stCondLst>
-                              <p:cond delay="5900"/>
+                              <p:cond delay="5899"/>
                             </p:stCondLst>
                             <p:childTnLst>
                               <p:par>
@@ -8156,7 +8140,7 @@
                         <p:par>
                           <p:cTn id="51" fill="hold">
                             <p:stCondLst>
-                              <p:cond delay="6400"/>
+                              <p:cond delay="6399"/>
                             </p:stCondLst>
                             <p:childTnLst>
                               <p:par>
@@ -14003,7 +13987,7 @@
         </p:nvSpPr>
         <p:spPr>
           <a:xfrm>
-            <a:off x="323850" y="772160"/>
+            <a:off x="323215" y="771525"/>
             <a:ext cx="8719820" cy="3784600"/>
           </a:xfrm>
           <a:prstGeom prst="rect">
